--- a/Lectures/pptx/6_Lecture_six.pptx
+++ b/Lectures/pptx/6_Lecture_six.pptx
@@ -389,11 +389,11 @@
           <c:showPercent val="0"/>
           <c:showBubbleSize val="0"/>
         </c:dLbls>
-        <c:axId val="807896184"/>
-        <c:axId val="807897752"/>
+        <c:axId val="457311496"/>
+        <c:axId val="457302480"/>
       </c:scatterChart>
       <c:valAx>
-        <c:axId val="807897752"/>
+        <c:axId val="457302480"/>
         <c:scaling>
           <c:orientation val="minMax"/>
           <c:max val="300"/>
@@ -449,12 +449,12 @@
             <a:endParaRPr lang="en-US"/>
           </a:p>
         </c:txPr>
-        <c:crossAx val="807896184"/>
+        <c:crossAx val="457311496"/>
         <c:crossesAt val="0"/>
         <c:crossBetween val="midCat"/>
       </c:valAx>
       <c:valAx>
-        <c:axId val="807896184"/>
+        <c:axId val="457311496"/>
         <c:scaling>
           <c:orientation val="minMax"/>
         </c:scaling>
@@ -499,7 +499,7 @@
             <a:endParaRPr lang="en-US"/>
           </a:p>
         </c:txPr>
-        <c:crossAx val="807897752"/>
+        <c:crossAx val="457302480"/>
         <c:crossesAt val="0"/>
         <c:crossBetween val="midCat"/>
       </c:valAx>
@@ -7520,15 +7520,7 @@
                   <a:srgbClr val="000000"/>
                 </a:solidFill>
               </a:rPr>
-              <a:t>Lecture </a:t>
-            </a:r>
-            <a:r>
-              <a:rPr lang="en-US" sz="2400" kern="0" dirty="0" smtClean="0">
-                <a:solidFill>
-                  <a:srgbClr val="000000"/>
-                </a:solidFill>
-              </a:rPr>
-              <a:t>six: </a:t>
+              <a:t>Lecture 6: </a:t>
             </a:r>
             <a:r>
               <a:rPr lang="en-GB" sz="2400" dirty="0">
@@ -38055,7 +38047,7 @@
         <p:spPr>
           <a:xfrm>
             <a:off x="611560" y="2708920"/>
-            <a:ext cx="3312368" cy="1384995"/>
+            <a:ext cx="3312368" cy="523220"/>
           </a:xfrm>
           <a:prstGeom prst="rect">
             <a:avLst/>
@@ -38076,40 +38068,8 @@
                 <a:latin typeface="Arial" panose="020B0604020202020204"/>
                 <a:cs typeface="Courier New" panose="02070309020205020404" pitchFamily="49" charset="0"/>
               </a:rPr>
-              <a:t>&lt;A synopsis of first CUDA lecture&gt;</a:t>
-            </a:r>
-          </a:p>
-          <a:p>
-            <a:endParaRPr lang="en-GB" sz="1400" dirty="0">
-              <a:solidFill>
-                <a:srgbClr val="C2470C"/>
-              </a:solidFill>
-              <a:latin typeface="Arial" panose="020B0604020202020204"/>
-              <a:cs typeface="Courier New" panose="02070309020205020404" pitchFamily="49" charset="0"/>
-            </a:endParaRPr>
-          </a:p>
-          <a:p>
-            <a:endParaRPr lang="en-GB" sz="1400" dirty="0" smtClean="0">
-              <a:solidFill>
-                <a:srgbClr val="C2470C"/>
-              </a:solidFill>
-              <a:latin typeface="Arial" panose="020B0604020202020204"/>
-              <a:cs typeface="Courier New" panose="02070309020205020404" pitchFamily="49" charset="0"/>
-            </a:endParaRPr>
-          </a:p>
-          <a:p>
-            <a:r>
-              <a:rPr lang="en-GB" sz="1400" dirty="0" smtClean="0">
-                <a:solidFill>
-                  <a:srgbClr val="C2470C"/>
-                </a:solidFill>
-                <a:latin typeface="Arial" panose="020B0604020202020204"/>
-                <a:cs typeface="Courier New" panose="02070309020205020404" pitchFamily="49" charset="0"/>
-              </a:rPr>
-              <a:t>Need to see lecture before I can fill this in!</a:t>
-            </a:r>
-          </a:p>
-          <a:p>
+              <a:t>We shall look at CUDA – a way to program GPUs</a:t>
+            </a:r>
             <a:endParaRPr lang="en-GB" sz="1400" dirty="0" smtClean="0">
               <a:solidFill>
                 <a:srgbClr val="C2470C"/>
@@ -39597,7 +39557,7 @@
         <a:effectLst/>
         <a:extLst>
           <a:ext uri="{AF507438-7753-43e0-B8FC-AC1667EBCBE1}">
-            <a14:hiddenEffects xmlns="" xmlns:a14="http://schemas.microsoft.com/office/drawing/2010/main">
+            <a14:hiddenEffects xmlns:a14="http://schemas.microsoft.com/office/drawing/2010/main" xmlns="">
               <a:effectLst>
                 <a:outerShdw blurRad="63500" dist="38099" dir="2700000" algn="ctr" rotWithShape="0">
                   <a:schemeClr val="bg2">
@@ -39673,7 +39633,7 @@
         <a:effectLst/>
         <a:extLst>
           <a:ext uri="{AF507438-7753-43e0-B8FC-AC1667EBCBE1}">
-            <a14:hiddenEffects xmlns="" xmlns:a14="http://schemas.microsoft.com/office/drawing/2010/main">
+            <a14:hiddenEffects xmlns:a14="http://schemas.microsoft.com/office/drawing/2010/main" xmlns="">
               <a:effectLst>
                 <a:outerShdw blurRad="63500" dist="38099" dir="2700000" algn="ctr" rotWithShape="0">
                   <a:schemeClr val="bg2">
@@ -41019,21 +40979,21 @@
 </file>
 
 <file path=customXml/item1.xml><?xml version="1.0" encoding="utf-8"?>
+<?mso-contentType ?>
+<FormTemplates xmlns="http://schemas.microsoft.com/sharepoint/v3/contenttype/forms">
+  <Display>DocumentLibraryForm</Display>
+  <Edit>DocumentLibraryForm</Edit>
+  <New>DocumentLibraryForm</New>
+</FormTemplates>
+</file>
+
+<file path=customXml/item2.xml><?xml version="1.0" encoding="utf-8"?>
 <p:properties xmlns:p="http://schemas.microsoft.com/office/2006/metadata/properties" xmlns:xsi="http://www.w3.org/2001/XMLSchema-instance" xmlns:pc="http://schemas.microsoft.com/office/infopath/2007/PartnerControls">
   <documentManagement>
     <PublishingExpirationDate xmlns="http://schemas.microsoft.com/sharepoint/v3" xsi:nil="true"/>
     <PublishingStartDate xmlns="http://schemas.microsoft.com/sharepoint/v3" xsi:nil="true"/>
   </documentManagement>
 </p:properties>
-</file>
-
-<file path=customXml/item2.xml><?xml version="1.0" encoding="utf-8"?>
-<?mso-contentType ?>
-<FormTemplates xmlns="http://schemas.microsoft.com/sharepoint/v3/contenttype/forms">
-  <Display>DocumentLibraryForm</Display>
-  <Edit>DocumentLibraryForm</Edit>
-  <New>DocumentLibraryForm</New>
-</FormTemplates>
 </file>
 
 <file path=customXml/item3.xml><?xml version="1.0" encoding="utf-8"?>
@@ -41169,25 +41129,25 @@
 </file>
 
 <file path=customXml/itemProps1.xml><?xml version="1.0" encoding="utf-8"?>
-<ds:datastoreItem xmlns:ds="http://schemas.openxmlformats.org/officeDocument/2006/customXml" ds:itemID="{D83787E9-855B-43BD-8382-B7C63B9BC33D}">
+<ds:datastoreItem xmlns:ds="http://schemas.openxmlformats.org/officeDocument/2006/customXml" ds:itemID="{2E0637EC-CEA5-409F-B139-003005A14145}">
   <ds:schemaRefs>
-    <ds:schemaRef ds:uri="http://schemas.microsoft.com/sharepoint/v3"/>
-    <ds:schemaRef ds:uri="http://purl.org/dc/terms/"/>
-    <ds:schemaRef ds:uri="http://schemas.openxmlformats.org/package/2006/metadata/core-properties"/>
-    <ds:schemaRef ds:uri="http://schemas.microsoft.com/office/2006/documentManagement/types"/>
-    <ds:schemaRef ds:uri="http://schemas.microsoft.com/office/infopath/2007/PartnerControls"/>
-    <ds:schemaRef ds:uri="http://purl.org/dc/elements/1.1/"/>
-    <ds:schemaRef ds:uri="http://schemas.microsoft.com/office/2006/metadata/properties"/>
-    <ds:schemaRef ds:uri="http://www.w3.org/XML/1998/namespace"/>
-    <ds:schemaRef ds:uri="http://purl.org/dc/dcmitype/"/>
+    <ds:schemaRef ds:uri="http://schemas.microsoft.com/sharepoint/v3/contenttype/forms"/>
   </ds:schemaRefs>
 </ds:datastoreItem>
 </file>
 
 <file path=customXml/itemProps2.xml><?xml version="1.0" encoding="utf-8"?>
-<ds:datastoreItem xmlns:ds="http://schemas.openxmlformats.org/officeDocument/2006/customXml" ds:itemID="{2E0637EC-CEA5-409F-B139-003005A14145}">
+<ds:datastoreItem xmlns:ds="http://schemas.openxmlformats.org/officeDocument/2006/customXml" ds:itemID="{D83787E9-855B-43BD-8382-B7C63B9BC33D}">
   <ds:schemaRefs>
-    <ds:schemaRef ds:uri="http://schemas.microsoft.com/sharepoint/v3/contenttype/forms"/>
+    <ds:schemaRef ds:uri="http://schemas.microsoft.com/office/2006/documentManagement/types"/>
+    <ds:schemaRef ds:uri="http://purl.org/dc/elements/1.1/"/>
+    <ds:schemaRef ds:uri="http://schemas.microsoft.com/office/2006/metadata/properties"/>
+    <ds:schemaRef ds:uri="http://schemas.microsoft.com/sharepoint/v3"/>
+    <ds:schemaRef ds:uri="http://purl.org/dc/terms/"/>
+    <ds:schemaRef ds:uri="http://schemas.openxmlformats.org/package/2006/metadata/core-properties"/>
+    <ds:schemaRef ds:uri="http://purl.org/dc/dcmitype/"/>
+    <ds:schemaRef ds:uri="http://schemas.microsoft.com/office/infopath/2007/PartnerControls"/>
+    <ds:schemaRef ds:uri="http://www.w3.org/XML/1998/namespace"/>
   </ds:schemaRefs>
 </ds:datastoreItem>
 </file>

--- a/Lectures/pptx/6_Lecture_six.pptx
+++ b/Lectures/pptx/6_Lecture_six.pptx
@@ -389,11 +389,11 @@
           <c:showPercent val="0"/>
           <c:showBubbleSize val="0"/>
         </c:dLbls>
-        <c:axId val="807896184"/>
-        <c:axId val="807897752"/>
+        <c:axId val="598529432"/>
+        <c:axId val="598530216"/>
       </c:scatterChart>
       <c:valAx>
-        <c:axId val="807897752"/>
+        <c:axId val="598530216"/>
         <c:scaling>
           <c:orientation val="minMax"/>
           <c:max val="300"/>
@@ -449,12 +449,12 @@
             <a:endParaRPr lang="en-US"/>
           </a:p>
         </c:txPr>
-        <c:crossAx val="807896184"/>
+        <c:crossAx val="598529432"/>
         <c:crossesAt val="0"/>
         <c:crossBetween val="midCat"/>
       </c:valAx>
       <c:valAx>
-        <c:axId val="807896184"/>
+        <c:axId val="598529432"/>
         <c:scaling>
           <c:orientation val="minMax"/>
         </c:scaling>
@@ -499,7 +499,7 @@
             <a:endParaRPr lang="en-US"/>
           </a:p>
         </c:txPr>
-        <c:crossAx val="807897752"/>
+        <c:crossAx val="598530216"/>
         <c:crossesAt val="0"/>
         <c:crossBetween val="midCat"/>
       </c:valAx>
@@ -7195,62 +7195,6 @@
           </a:p>
         </p:txBody>
       </p:sp>
-      <p:sp>
-        <p:nvSpPr>
-          <p:cNvPr id="12" name="TextBox 11"/>
-          <p:cNvSpPr txBox="1"/>
-          <p:nvPr/>
-        </p:nvSpPr>
-        <p:spPr>
-          <a:xfrm>
-            <a:off x="3269400" y="4851157"/>
-            <a:ext cx="2605200" cy="707886"/>
-          </a:xfrm>
-          <a:prstGeom prst="rect">
-            <a:avLst/>
-          </a:prstGeom>
-          <a:noFill/>
-        </p:spPr>
-        <p:txBody>
-          <a:bodyPr wrap="none" rtlCol="0">
-            <a:spAutoFit/>
-          </a:bodyPr>
-          <a:lstStyle/>
-          <a:p>
-            <a:pPr algn="ctr"/>
-            <a:endParaRPr lang="en-GB" sz="1600" dirty="0" smtClean="0">
-              <a:solidFill>
-                <a:srgbClr val="000000"/>
-              </a:solidFill>
-              <a:latin typeface="+mn-lt"/>
-            </a:endParaRPr>
-          </a:p>
-          <a:p>
-            <a:pPr algn="ctr"/>
-            <a:r>
-              <a:rPr lang="en-GB" sz="1200" dirty="0" smtClean="0">
-                <a:solidFill>
-                  <a:srgbClr val="000000"/>
-                </a:solidFill>
-                <a:latin typeface="+mn-lt"/>
-              </a:rPr>
-              <a:t>Oxford e-Research Centre, </a:t>
-            </a:r>
-          </a:p>
-          <a:p>
-            <a:pPr algn="ctr"/>
-            <a:r>
-              <a:rPr lang="en-GB" sz="1200" dirty="0" smtClean="0">
-                <a:solidFill>
-                  <a:srgbClr val="000000"/>
-                </a:solidFill>
-                <a:latin typeface="+mn-lt"/>
-              </a:rPr>
-              <a:t>Department of Engineering Science</a:t>
-            </a:r>
-          </a:p>
-        </p:txBody>
-      </p:sp>
       <p:pic>
         <p:nvPicPr>
           <p:cNvPr id="1028" name="Picture 4" descr="Standard Department Logo"/>
@@ -7520,15 +7464,7 @@
                   <a:srgbClr val="000000"/>
                 </a:solidFill>
               </a:rPr>
-              <a:t>Lecture </a:t>
-            </a:r>
-            <a:r>
-              <a:rPr lang="en-US" sz="2400" kern="0" dirty="0" smtClean="0">
-                <a:solidFill>
-                  <a:srgbClr val="000000"/>
-                </a:solidFill>
-              </a:rPr>
-              <a:t>six: </a:t>
+              <a:t>Lecture six: </a:t>
             </a:r>
             <a:r>
               <a:rPr lang="en-GB" sz="2400" dirty="0">
@@ -7569,6 +7505,74 @@
                 <a:srgbClr val="000000"/>
               </a:solidFill>
             </a:endParaRPr>
+          </a:p>
+        </p:txBody>
+      </p:sp>
+      <p:sp>
+        <p:nvSpPr>
+          <p:cNvPr id="7" name="TextBox 6"/>
+          <p:cNvSpPr txBox="1"/>
+          <p:nvPr/>
+        </p:nvSpPr>
+        <p:spPr>
+          <a:xfrm>
+            <a:off x="3269400" y="4851157"/>
+            <a:ext cx="2605200" cy="954107"/>
+          </a:xfrm>
+          <a:prstGeom prst="rect">
+            <a:avLst/>
+          </a:prstGeom>
+          <a:noFill/>
+        </p:spPr>
+        <p:txBody>
+          <a:bodyPr wrap="none" rtlCol="0">
+            <a:spAutoFit/>
+          </a:bodyPr>
+          <a:lstStyle/>
+          <a:p>
+            <a:pPr algn="ctr"/>
+            <a:r>
+              <a:rPr lang="en-GB" sz="1600" dirty="0" smtClean="0">
+                <a:solidFill>
+                  <a:srgbClr val="000000"/>
+                </a:solidFill>
+                <a:latin typeface="+mn-lt"/>
+              </a:rPr>
+              <a:t>Ian Bush</a:t>
+            </a:r>
+          </a:p>
+          <a:p>
+            <a:pPr algn="ctr"/>
+            <a:endParaRPr lang="en-GB" sz="1600" dirty="0" smtClean="0">
+              <a:solidFill>
+                <a:srgbClr val="000000"/>
+              </a:solidFill>
+              <a:latin typeface="+mn-lt"/>
+            </a:endParaRPr>
+          </a:p>
+          <a:p>
+            <a:pPr algn="ctr"/>
+            <a:r>
+              <a:rPr lang="en-GB" sz="1200" dirty="0" smtClean="0">
+                <a:solidFill>
+                  <a:srgbClr val="000000"/>
+                </a:solidFill>
+                <a:latin typeface="+mn-lt"/>
+              </a:rPr>
+              <a:t>Oxford e-Research Centre, </a:t>
+            </a:r>
+          </a:p>
+          <a:p>
+            <a:pPr algn="ctr"/>
+            <a:r>
+              <a:rPr lang="en-GB" sz="1200" dirty="0" smtClean="0">
+                <a:solidFill>
+                  <a:srgbClr val="000000"/>
+                </a:solidFill>
+                <a:latin typeface="+mn-lt"/>
+              </a:rPr>
+              <a:t>Department of Engineering Science</a:t>
+            </a:r>
           </a:p>
         </p:txBody>
       </p:sp>
@@ -39597,7 +39601,7 @@
         <a:effectLst/>
         <a:extLst>
           <a:ext uri="{AF507438-7753-43e0-B8FC-AC1667EBCBE1}">
-            <a14:hiddenEffects xmlns="" xmlns:a14="http://schemas.microsoft.com/office/drawing/2010/main">
+            <a14:hiddenEffects xmlns:a14="http://schemas.microsoft.com/office/drawing/2010/main" xmlns="">
               <a:effectLst>
                 <a:outerShdw blurRad="63500" dist="38099" dir="2700000" algn="ctr" rotWithShape="0">
                   <a:schemeClr val="bg2">
@@ -39673,7 +39677,7 @@
         <a:effectLst/>
         <a:extLst>
           <a:ext uri="{AF507438-7753-43e0-B8FC-AC1667EBCBE1}">
-            <a14:hiddenEffects xmlns="" xmlns:a14="http://schemas.microsoft.com/office/drawing/2010/main">
+            <a14:hiddenEffects xmlns:a14="http://schemas.microsoft.com/office/drawing/2010/main" xmlns="">
               <a:effectLst>
                 <a:outerShdw blurRad="63500" dist="38099" dir="2700000" algn="ctr" rotWithShape="0">
                   <a:schemeClr val="bg2">
@@ -41019,24 +41023,6 @@
 </file>
 
 <file path=customXml/item1.xml><?xml version="1.0" encoding="utf-8"?>
-<p:properties xmlns:p="http://schemas.microsoft.com/office/2006/metadata/properties" xmlns:xsi="http://www.w3.org/2001/XMLSchema-instance" xmlns:pc="http://schemas.microsoft.com/office/infopath/2007/PartnerControls">
-  <documentManagement>
-    <PublishingExpirationDate xmlns="http://schemas.microsoft.com/sharepoint/v3" xsi:nil="true"/>
-    <PublishingStartDate xmlns="http://schemas.microsoft.com/sharepoint/v3" xsi:nil="true"/>
-  </documentManagement>
-</p:properties>
-</file>
-
-<file path=customXml/item2.xml><?xml version="1.0" encoding="utf-8"?>
-<?mso-contentType ?>
-<FormTemplates xmlns="http://schemas.microsoft.com/sharepoint/v3/contenttype/forms">
-  <Display>DocumentLibraryForm</Display>
-  <Edit>DocumentLibraryForm</Edit>
-  <New>DocumentLibraryForm</New>
-</FormTemplates>
-</file>
-
-<file path=customXml/item3.xml><?xml version="1.0" encoding="utf-8"?>
 <ct:contentTypeSchema xmlns:ct="http://schemas.microsoft.com/office/2006/metadata/contentType" xmlns:ma="http://schemas.microsoft.com/office/2006/metadata/properties/metaAttributes" ct:_="" ma:_="" ma:contentTypeName="Document" ma:contentTypeID="0x010100F087B862386F8A48840A2142C0600765" ma:contentTypeVersion="1" ma:contentTypeDescription="Create a new document." ma:contentTypeScope="" ma:versionID="68e7a6ad2ab34d836eda56dc5c7bc733">
   <xsd:schema xmlns:xsd="http://www.w3.org/2001/XMLSchema" xmlns:xs="http://www.w3.org/2001/XMLSchema" xmlns:p="http://schemas.microsoft.com/office/2006/metadata/properties" xmlns:ns1="http://schemas.microsoft.com/sharepoint/v3" targetNamespace="http://schemas.microsoft.com/office/2006/metadata/properties" ma:root="true" ma:fieldsID="48c5b5cd9b8d25ff6dd15848836f4270" ns1:_="">
     <xsd:import namespace="http://schemas.microsoft.com/sharepoint/v3"/>
@@ -41168,31 +41154,25 @@
 </ct:contentTypeSchema>
 </file>
 
-<file path=customXml/itemProps1.xml><?xml version="1.0" encoding="utf-8"?>
-<ds:datastoreItem xmlns:ds="http://schemas.openxmlformats.org/officeDocument/2006/customXml" ds:itemID="{D83787E9-855B-43BD-8382-B7C63B9BC33D}">
-  <ds:schemaRefs>
-    <ds:schemaRef ds:uri="http://schemas.microsoft.com/sharepoint/v3"/>
-    <ds:schemaRef ds:uri="http://purl.org/dc/terms/"/>
-    <ds:schemaRef ds:uri="http://schemas.openxmlformats.org/package/2006/metadata/core-properties"/>
-    <ds:schemaRef ds:uri="http://schemas.microsoft.com/office/2006/documentManagement/types"/>
-    <ds:schemaRef ds:uri="http://schemas.microsoft.com/office/infopath/2007/PartnerControls"/>
-    <ds:schemaRef ds:uri="http://purl.org/dc/elements/1.1/"/>
-    <ds:schemaRef ds:uri="http://schemas.microsoft.com/office/2006/metadata/properties"/>
-    <ds:schemaRef ds:uri="http://www.w3.org/XML/1998/namespace"/>
-    <ds:schemaRef ds:uri="http://purl.org/dc/dcmitype/"/>
-  </ds:schemaRefs>
-</ds:datastoreItem>
+<file path=customXml/item2.xml><?xml version="1.0" encoding="utf-8"?>
+<?mso-contentType ?>
+<FormTemplates xmlns="http://schemas.microsoft.com/sharepoint/v3/contenttype/forms">
+  <Display>DocumentLibraryForm</Display>
+  <Edit>DocumentLibraryForm</Edit>
+  <New>DocumentLibraryForm</New>
+</FormTemplates>
 </file>
 
-<file path=customXml/itemProps2.xml><?xml version="1.0" encoding="utf-8"?>
-<ds:datastoreItem xmlns:ds="http://schemas.openxmlformats.org/officeDocument/2006/customXml" ds:itemID="{2E0637EC-CEA5-409F-B139-003005A14145}">
-  <ds:schemaRefs>
-    <ds:schemaRef ds:uri="http://schemas.microsoft.com/sharepoint/v3/contenttype/forms"/>
-  </ds:schemaRefs>
-</ds:datastoreItem>
+<file path=customXml/item3.xml><?xml version="1.0" encoding="utf-8"?>
+<p:properties xmlns:p="http://schemas.microsoft.com/office/2006/metadata/properties" xmlns:xsi="http://www.w3.org/2001/XMLSchema-instance" xmlns:pc="http://schemas.microsoft.com/office/infopath/2007/PartnerControls">
+  <documentManagement>
+    <PublishingExpirationDate xmlns="http://schemas.microsoft.com/sharepoint/v3" xsi:nil="true"/>
+    <PublishingStartDate xmlns="http://schemas.microsoft.com/sharepoint/v3" xsi:nil="true"/>
+  </documentManagement>
+</p:properties>
 </file>
 
-<file path=customXml/itemProps3.xml><?xml version="1.0" encoding="utf-8"?>
+<file path=customXml/itemProps1.xml><?xml version="1.0" encoding="utf-8"?>
 <ds:datastoreItem xmlns:ds="http://schemas.openxmlformats.org/officeDocument/2006/customXml" ds:itemID="{866DD9C6-787C-4079-86E8-1446954686C6}">
   <ds:schemaRefs>
     <ds:schemaRef ds:uri="http://schemas.microsoft.com/office/2006/metadata/contentType"/>
@@ -41208,4 +41188,28 @@
     <ds:schemaRef ds:uri="http://schemas.microsoft.com/internal/obd"/>
   </ds:schemaRefs>
 </ds:datastoreItem>
+</file>
+
+<file path=customXml/itemProps2.xml><?xml version="1.0" encoding="utf-8"?>
+<ds:datastoreItem xmlns:ds="http://schemas.openxmlformats.org/officeDocument/2006/customXml" ds:itemID="{2E0637EC-CEA5-409F-B139-003005A14145}">
+  <ds:schemaRefs>
+    <ds:schemaRef ds:uri="http://schemas.microsoft.com/sharepoint/v3/contenttype/forms"/>
+  </ds:schemaRefs>
+</ds:datastoreItem>
+</file>
+
+<file path=customXml/itemProps3.xml><?xml version="1.0" encoding="utf-8"?>
+<ds:datastoreItem xmlns:ds="http://schemas.openxmlformats.org/officeDocument/2006/customXml" ds:itemID="{D83787E9-855B-43BD-8382-B7C63B9BC33D}">
+  <ds:schemaRefs>
+    <ds:schemaRef ds:uri="http://schemas.microsoft.com/sharepoint/v3"/>
+    <ds:schemaRef ds:uri="http://purl.org/dc/terms/"/>
+    <ds:schemaRef ds:uri="http://schemas.openxmlformats.org/package/2006/metadata/core-properties"/>
+    <ds:schemaRef ds:uri="http://schemas.microsoft.com/office/2006/documentManagement/types"/>
+    <ds:schemaRef ds:uri="http://schemas.microsoft.com/office/infopath/2007/PartnerControls"/>
+    <ds:schemaRef ds:uri="http://purl.org/dc/elements/1.1/"/>
+    <ds:schemaRef ds:uri="http://schemas.microsoft.com/office/2006/metadata/properties"/>
+    <ds:schemaRef ds:uri="http://www.w3.org/XML/1998/namespace"/>
+    <ds:schemaRef ds:uri="http://purl.org/dc/dcmitype/"/>
+  </ds:schemaRefs>
+</ds:datastoreItem>
 </file>